--- a/03.pptx
+++ b/03.pptx
@@ -19,7 +19,8 @@
     <p:sldId id="272" r:id="rId13"/>
     <p:sldId id="273" r:id="rId14"/>
     <p:sldId id="265" r:id="rId15"/>
-    <p:sldId id="266" r:id="rId16"/>
+    <p:sldId id="275" r:id="rId16"/>
+    <p:sldId id="266" r:id="rId17"/>
   </p:sldIdLst>
   <p:sldSz cx="12192000" cy="6858000"/>
   <p:notesSz cx="6858000" cy="9144000"/>
@@ -211,7 +212,7 @@
           <a:p>
             <a:fld id="{AA93C23F-80D8-41F7-A602-5BAA4D96D6F7}" type="datetimeFigureOut">
               <a:rPr lang="ko-KR" altLang="en-US" smtClean="0"/>
-              <a:t>2019-12-21</a:t>
+              <a:t>2025-03-15</a:t>
             </a:fld>
             <a:endParaRPr lang="ko-KR" altLang="en-US"/>
           </a:p>
@@ -515,7 +516,7 @@
           <a:p>
             <a:fld id="{AA93C23F-80D8-41F7-A602-5BAA4D96D6F7}" type="datetimeFigureOut">
               <a:rPr lang="ko-KR" altLang="en-US" smtClean="0"/>
-              <a:t>2019-12-21</a:t>
+              <a:t>2025-03-15</a:t>
             </a:fld>
             <a:endParaRPr lang="ko-KR" altLang="en-US"/>
           </a:p>
@@ -693,7 +694,7 @@
           <a:p>
             <a:fld id="{AA93C23F-80D8-41F7-A602-5BAA4D96D6F7}" type="datetimeFigureOut">
               <a:rPr lang="ko-KR" altLang="en-US" smtClean="0"/>
-              <a:t>2019-12-21</a:t>
+              <a:t>2025-03-15</a:t>
             </a:fld>
             <a:endParaRPr lang="ko-KR" altLang="en-US"/>
           </a:p>
@@ -883,7 +884,7 @@
           <a:p>
             <a:fld id="{AA93C23F-80D8-41F7-A602-5BAA4D96D6F7}" type="datetimeFigureOut">
               <a:rPr lang="ko-KR" altLang="en-US" smtClean="0"/>
-              <a:t>2019-12-21</a:t>
+              <a:t>2025-03-15</a:t>
             </a:fld>
             <a:endParaRPr lang="ko-KR" altLang="en-US"/>
           </a:p>
@@ -1128,7 +1129,7 @@
           <a:p>
             <a:fld id="{AA93C23F-80D8-41F7-A602-5BAA4D96D6F7}" type="datetimeFigureOut">
               <a:rPr lang="ko-KR" altLang="en-US" smtClean="0"/>
-              <a:t>2019-12-21</a:t>
+              <a:t>2025-03-15</a:t>
             </a:fld>
             <a:endParaRPr lang="ko-KR" altLang="en-US"/>
           </a:p>
@@ -1357,7 +1358,7 @@
           <a:p>
             <a:fld id="{AA93C23F-80D8-41F7-A602-5BAA4D96D6F7}" type="datetimeFigureOut">
               <a:rPr lang="ko-KR" altLang="en-US" smtClean="0"/>
-              <a:t>2019-12-21</a:t>
+              <a:t>2025-03-15</a:t>
             </a:fld>
             <a:endParaRPr lang="ko-KR" altLang="en-US"/>
           </a:p>
@@ -1721,7 +1722,7 @@
           <a:p>
             <a:fld id="{AA93C23F-80D8-41F7-A602-5BAA4D96D6F7}" type="datetimeFigureOut">
               <a:rPr lang="ko-KR" altLang="en-US" smtClean="0"/>
-              <a:t>2019-12-21</a:t>
+              <a:t>2025-03-15</a:t>
             </a:fld>
             <a:endParaRPr lang="ko-KR" altLang="en-US"/>
           </a:p>
@@ -1838,7 +1839,7 @@
           <a:p>
             <a:fld id="{AA93C23F-80D8-41F7-A602-5BAA4D96D6F7}" type="datetimeFigureOut">
               <a:rPr lang="ko-KR" altLang="en-US" smtClean="0"/>
-              <a:t>2019-12-21</a:t>
+              <a:t>2025-03-15</a:t>
             </a:fld>
             <a:endParaRPr lang="ko-KR" altLang="en-US"/>
           </a:p>
@@ -1933,7 +1934,7 @@
           <a:p>
             <a:fld id="{AA93C23F-80D8-41F7-A602-5BAA4D96D6F7}" type="datetimeFigureOut">
               <a:rPr lang="ko-KR" altLang="en-US" smtClean="0"/>
-              <a:t>2019-12-21</a:t>
+              <a:t>2025-03-15</a:t>
             </a:fld>
             <a:endParaRPr lang="ko-KR" altLang="en-US"/>
           </a:p>
@@ -2208,7 +2209,7 @@
           <a:p>
             <a:fld id="{AA93C23F-80D8-41F7-A602-5BAA4D96D6F7}" type="datetimeFigureOut">
               <a:rPr lang="ko-KR" altLang="en-US" smtClean="0"/>
-              <a:t>2019-12-21</a:t>
+              <a:t>2025-03-15</a:t>
             </a:fld>
             <a:endParaRPr lang="ko-KR" altLang="en-US"/>
           </a:p>
@@ -2460,7 +2461,7 @@
           <a:p>
             <a:fld id="{AA93C23F-80D8-41F7-A602-5BAA4D96D6F7}" type="datetimeFigureOut">
               <a:rPr lang="ko-KR" altLang="en-US" smtClean="0"/>
-              <a:t>2019-12-21</a:t>
+              <a:t>2025-03-15</a:t>
             </a:fld>
             <a:endParaRPr lang="ko-KR" altLang="en-US"/>
           </a:p>
@@ -2729,7 +2730,7 @@
           <a:p>
             <a:fld id="{AA93C23F-80D8-41F7-A602-5BAA4D96D6F7}" type="datetimeFigureOut">
               <a:rPr lang="ko-KR" altLang="en-US" smtClean="0"/>
-              <a:t>2019-12-21</a:t>
+              <a:t>2025-03-15</a:t>
             </a:fld>
             <a:endParaRPr lang="ko-KR" altLang="en-US"/>
           </a:p>
@@ -4026,6 +4027,50 @@
           </a:prstGeom>
         </p:spPr>
       </p:pic>
+      <p:sp>
+        <p:nvSpPr>
+          <p:cNvPr id="8" name="TextBox 7">
+            <a:extLst>
+              <a:ext uri="{FF2B5EF4-FFF2-40B4-BE49-F238E27FC236}">
+                <a16:creationId xmlns:a16="http://schemas.microsoft.com/office/drawing/2014/main" id="{13C51012-95BF-41F9-8FA4-85755FD31463}"/>
+              </a:ext>
+            </a:extLst>
+          </p:cNvPr>
+          <p:cNvSpPr txBox="1"/>
+          <p:nvPr/>
+        </p:nvSpPr>
+        <p:spPr>
+          <a:xfrm>
+            <a:off x="11375472" y="385893"/>
+            <a:ext cx="668773" cy="338554"/>
+          </a:xfrm>
+          <a:prstGeom prst="rect">
+            <a:avLst/>
+          </a:prstGeom>
+          <a:noFill/>
+        </p:spPr>
+        <p:txBody>
+          <a:bodyPr wrap="none" rtlCol="0">
+            <a:spAutoFit/>
+          </a:bodyPr>
+          <a:lstStyle/>
+          <a:p>
+            <a:r>
+              <a:rPr lang="en-US" altLang="ko-KR" sz="1600" b="1" dirty="0">
+                <a:solidFill>
+                  <a:schemeClr val="bg1"/>
+                </a:solidFill>
+              </a:rPr>
+              <a:t>p108</a:t>
+            </a:r>
+            <a:endParaRPr lang="ko-KR" altLang="en-US" sz="1600" b="1" dirty="0">
+              <a:solidFill>
+                <a:schemeClr val="bg1"/>
+              </a:solidFill>
+            </a:endParaRPr>
+          </a:p>
+        </p:txBody>
+      </p:sp>
     </p:spTree>
     <p:extLst>
       <p:ext uri="{BB962C8B-B14F-4D97-AF65-F5344CB8AC3E}">
@@ -4350,6 +4395,50 @@
           </a:prstGeom>
         </p:spPr>
       </p:pic>
+      <p:sp>
+        <p:nvSpPr>
+          <p:cNvPr id="11" name="TextBox 10">
+            <a:extLst>
+              <a:ext uri="{FF2B5EF4-FFF2-40B4-BE49-F238E27FC236}">
+                <a16:creationId xmlns:a16="http://schemas.microsoft.com/office/drawing/2014/main" id="{AEF93CD7-ED2C-4560-9B3A-5AFC39E2570A}"/>
+              </a:ext>
+            </a:extLst>
+          </p:cNvPr>
+          <p:cNvSpPr txBox="1"/>
+          <p:nvPr/>
+        </p:nvSpPr>
+        <p:spPr>
+          <a:xfrm>
+            <a:off x="11375472" y="385893"/>
+            <a:ext cx="668773" cy="338554"/>
+          </a:xfrm>
+          <a:prstGeom prst="rect">
+            <a:avLst/>
+          </a:prstGeom>
+          <a:noFill/>
+        </p:spPr>
+        <p:txBody>
+          <a:bodyPr wrap="none" rtlCol="0">
+            <a:spAutoFit/>
+          </a:bodyPr>
+          <a:lstStyle/>
+          <a:p>
+            <a:r>
+              <a:rPr lang="en-US" altLang="ko-KR" sz="1600" b="1" dirty="0">
+                <a:solidFill>
+                  <a:schemeClr val="bg1"/>
+                </a:solidFill>
+              </a:rPr>
+              <a:t>p111</a:t>
+            </a:r>
+            <a:endParaRPr lang="ko-KR" altLang="en-US" sz="1600" b="1" dirty="0">
+              <a:solidFill>
+                <a:schemeClr val="bg1"/>
+              </a:solidFill>
+            </a:endParaRPr>
+          </a:p>
+        </p:txBody>
+      </p:sp>
     </p:spTree>
     <p:extLst>
       <p:ext uri="{BB962C8B-B14F-4D97-AF65-F5344CB8AC3E}">
@@ -5958,6 +6047,50 @@
           </a:prstGeom>
         </p:spPr>
       </p:pic>
+      <p:sp>
+        <p:nvSpPr>
+          <p:cNvPr id="12" name="TextBox 11">
+            <a:extLst>
+              <a:ext uri="{FF2B5EF4-FFF2-40B4-BE49-F238E27FC236}">
+                <a16:creationId xmlns:a16="http://schemas.microsoft.com/office/drawing/2014/main" id="{8CCD7BCD-CA8C-4E4A-A0E3-4063CA30A7A4}"/>
+              </a:ext>
+            </a:extLst>
+          </p:cNvPr>
+          <p:cNvSpPr txBox="1"/>
+          <p:nvPr/>
+        </p:nvSpPr>
+        <p:spPr>
+          <a:xfrm>
+            <a:off x="11375472" y="385893"/>
+            <a:ext cx="668773" cy="338554"/>
+          </a:xfrm>
+          <a:prstGeom prst="rect">
+            <a:avLst/>
+          </a:prstGeom>
+          <a:noFill/>
+        </p:spPr>
+        <p:txBody>
+          <a:bodyPr wrap="none" rtlCol="0">
+            <a:spAutoFit/>
+          </a:bodyPr>
+          <a:lstStyle/>
+          <a:p>
+            <a:r>
+              <a:rPr lang="en-US" altLang="ko-KR" sz="1600" b="1" dirty="0">
+                <a:solidFill>
+                  <a:schemeClr val="bg1"/>
+                </a:solidFill>
+              </a:rPr>
+              <a:t>p119</a:t>
+            </a:r>
+            <a:endParaRPr lang="ko-KR" altLang="en-US" sz="1600" b="1" dirty="0">
+              <a:solidFill>
+                <a:schemeClr val="bg1"/>
+              </a:solidFill>
+            </a:endParaRPr>
+          </a:p>
+        </p:txBody>
+      </p:sp>
     </p:spTree>
     <p:extLst>
       <p:ext uri="{BB962C8B-B14F-4D97-AF65-F5344CB8AC3E}">
@@ -5990,6 +6123,1246 @@
       </p:grpSpPr>
       <p:sp>
         <p:nvSpPr>
+          <p:cNvPr id="2" name="직사각형 1"/>
+          <p:cNvSpPr/>
+          <p:nvPr/>
+        </p:nvSpPr>
+        <p:spPr>
+          <a:xfrm>
+            <a:off x="1433384" y="1046205"/>
+            <a:ext cx="9086335" cy="4431957"/>
+          </a:xfrm>
+          <a:prstGeom prst="rect">
+            <a:avLst/>
+          </a:prstGeom>
+          <a:solidFill>
+            <a:schemeClr val="accent1">
+              <a:lumMod val="20000"/>
+              <a:lumOff val="80000"/>
+            </a:schemeClr>
+          </a:solidFill>
+        </p:spPr>
+        <p:style>
+          <a:lnRef idx="2">
+            <a:schemeClr val="accent1">
+              <a:shade val="50000"/>
+            </a:schemeClr>
+          </a:lnRef>
+          <a:fillRef idx="1">
+            <a:schemeClr val="accent1"/>
+          </a:fillRef>
+          <a:effectRef idx="0">
+            <a:schemeClr val="accent1"/>
+          </a:effectRef>
+          <a:fontRef idx="minor">
+            <a:schemeClr val="lt1"/>
+          </a:fontRef>
+        </p:style>
+        <p:txBody>
+          <a:bodyPr rtlCol="0" anchor="ctr"/>
+          <a:lstStyle/>
+          <a:p>
+            <a:pPr algn="ctr"/>
+            <a:endParaRPr lang="ko-KR" altLang="en-US" dirty="0"/>
+          </a:p>
+        </p:txBody>
+      </p:sp>
+      <p:sp>
+        <p:nvSpPr>
+          <p:cNvPr id="3" name="직사각형 2"/>
+          <p:cNvSpPr/>
+          <p:nvPr/>
+        </p:nvSpPr>
+        <p:spPr>
+          <a:xfrm>
+            <a:off x="2034746" y="1524000"/>
+            <a:ext cx="2529017" cy="3295135"/>
+          </a:xfrm>
+          <a:prstGeom prst="rect">
+            <a:avLst/>
+          </a:prstGeom>
+        </p:spPr>
+        <p:style>
+          <a:lnRef idx="2">
+            <a:schemeClr val="accent1">
+              <a:shade val="50000"/>
+            </a:schemeClr>
+          </a:lnRef>
+          <a:fillRef idx="1">
+            <a:schemeClr val="accent1"/>
+          </a:fillRef>
+          <a:effectRef idx="0">
+            <a:schemeClr val="accent1"/>
+          </a:effectRef>
+          <a:fontRef idx="minor">
+            <a:schemeClr val="lt1"/>
+          </a:fontRef>
+        </p:style>
+        <p:txBody>
+          <a:bodyPr rtlCol="0" anchor="ctr"/>
+          <a:lstStyle/>
+          <a:p>
+            <a:pPr algn="ctr"/>
+            <a:endParaRPr lang="ko-KR" altLang="en-US" dirty="0">
+              <a:ln w="28575">
+                <a:solidFill>
+                  <a:srgbClr val="FF3300"/>
+                </a:solidFill>
+                <a:prstDash val="sysDot"/>
+              </a:ln>
+            </a:endParaRPr>
+          </a:p>
+        </p:txBody>
+      </p:sp>
+      <p:cxnSp>
+        <p:nvCxnSpPr>
+          <p:cNvPr id="7" name="직선 연결선 6"/>
+          <p:cNvCxnSpPr/>
+          <p:nvPr/>
+        </p:nvCxnSpPr>
+        <p:spPr>
+          <a:xfrm>
+            <a:off x="1433384" y="1524000"/>
+            <a:ext cx="589006" cy="8237"/>
+          </a:xfrm>
+          <a:prstGeom prst="line">
+            <a:avLst/>
+          </a:prstGeom>
+          <a:ln w="12700">
+            <a:solidFill>
+              <a:srgbClr val="FF0000"/>
+            </a:solidFill>
+          </a:ln>
+        </p:spPr>
+        <p:style>
+          <a:lnRef idx="1">
+            <a:schemeClr val="accent1"/>
+          </a:lnRef>
+          <a:fillRef idx="0">
+            <a:schemeClr val="accent1"/>
+          </a:fillRef>
+          <a:effectRef idx="0">
+            <a:schemeClr val="accent1"/>
+          </a:effectRef>
+          <a:fontRef idx="minor">
+            <a:schemeClr val="tx1"/>
+          </a:fontRef>
+        </p:style>
+      </p:cxnSp>
+      <p:sp>
+        <p:nvSpPr>
+          <p:cNvPr id="9" name="TextBox 8"/>
+          <p:cNvSpPr txBox="1"/>
+          <p:nvPr/>
+        </p:nvSpPr>
+        <p:spPr>
+          <a:xfrm>
+            <a:off x="1387794" y="1533604"/>
+            <a:ext cx="680186" cy="369332"/>
+          </a:xfrm>
+          <a:prstGeom prst="rect">
+            <a:avLst/>
+          </a:prstGeom>
+          <a:noFill/>
+        </p:spPr>
+        <p:txBody>
+          <a:bodyPr wrap="none" rtlCol="0">
+            <a:spAutoFit/>
+          </a:bodyPr>
+          <a:lstStyle/>
+          <a:p>
+            <a:r>
+              <a:rPr lang="en-US" altLang="ko-KR" dirty="0"/>
+              <a:t>10px</a:t>
+            </a:r>
+            <a:endParaRPr lang="ko-KR" altLang="en-US" dirty="0"/>
+          </a:p>
+        </p:txBody>
+      </p:sp>
+      <p:cxnSp>
+        <p:nvCxnSpPr>
+          <p:cNvPr id="11" name="직선 연결선 10"/>
+          <p:cNvCxnSpPr/>
+          <p:nvPr/>
+        </p:nvCxnSpPr>
+        <p:spPr>
+          <a:xfrm>
+            <a:off x="2022390" y="1046205"/>
+            <a:ext cx="12356" cy="486032"/>
+          </a:xfrm>
+          <a:prstGeom prst="line">
+            <a:avLst/>
+          </a:prstGeom>
+          <a:ln w="19050">
+            <a:solidFill>
+              <a:srgbClr val="FF3300"/>
+            </a:solidFill>
+          </a:ln>
+        </p:spPr>
+        <p:style>
+          <a:lnRef idx="1">
+            <a:schemeClr val="accent1"/>
+          </a:lnRef>
+          <a:fillRef idx="0">
+            <a:schemeClr val="accent1"/>
+          </a:fillRef>
+          <a:effectRef idx="0">
+            <a:schemeClr val="accent1"/>
+          </a:effectRef>
+          <a:fontRef idx="minor">
+            <a:schemeClr val="tx1"/>
+          </a:fontRef>
+        </p:style>
+      </p:cxnSp>
+      <p:sp>
+        <p:nvSpPr>
+          <p:cNvPr id="12" name="TextBox 11"/>
+          <p:cNvSpPr txBox="1"/>
+          <p:nvPr/>
+        </p:nvSpPr>
+        <p:spPr>
+          <a:xfrm>
+            <a:off x="1947963" y="1071603"/>
+            <a:ext cx="680186" cy="369332"/>
+          </a:xfrm>
+          <a:prstGeom prst="rect">
+            <a:avLst/>
+          </a:prstGeom>
+          <a:noFill/>
+        </p:spPr>
+        <p:txBody>
+          <a:bodyPr wrap="none" rtlCol="0">
+            <a:spAutoFit/>
+          </a:bodyPr>
+          <a:lstStyle/>
+          <a:p>
+            <a:r>
+              <a:rPr lang="en-US" altLang="ko-KR" dirty="0"/>
+              <a:t>10px</a:t>
+            </a:r>
+            <a:endParaRPr lang="ko-KR" altLang="en-US" dirty="0"/>
+          </a:p>
+        </p:txBody>
+      </p:sp>
+      <p:cxnSp>
+        <p:nvCxnSpPr>
+          <p:cNvPr id="13" name="직선 연결선 12"/>
+          <p:cNvCxnSpPr/>
+          <p:nvPr/>
+        </p:nvCxnSpPr>
+        <p:spPr>
+          <a:xfrm>
+            <a:off x="1456039" y="4637902"/>
+            <a:ext cx="589006" cy="8237"/>
+          </a:xfrm>
+          <a:prstGeom prst="line">
+            <a:avLst/>
+          </a:prstGeom>
+          <a:ln w="12700">
+            <a:solidFill>
+              <a:srgbClr val="FF0000"/>
+            </a:solidFill>
+          </a:ln>
+        </p:spPr>
+        <p:style>
+          <a:lnRef idx="1">
+            <a:schemeClr val="accent1"/>
+          </a:lnRef>
+          <a:fillRef idx="0">
+            <a:schemeClr val="accent1"/>
+          </a:fillRef>
+          <a:effectRef idx="0">
+            <a:schemeClr val="accent1"/>
+          </a:effectRef>
+          <a:fontRef idx="minor">
+            <a:schemeClr val="tx1"/>
+          </a:fontRef>
+        </p:style>
+      </p:cxnSp>
+      <p:cxnSp>
+        <p:nvCxnSpPr>
+          <p:cNvPr id="15" name="직선 연결선 14"/>
+          <p:cNvCxnSpPr/>
+          <p:nvPr/>
+        </p:nvCxnSpPr>
+        <p:spPr>
+          <a:xfrm>
+            <a:off x="2028568" y="4852933"/>
+            <a:ext cx="2535195" cy="0"/>
+          </a:xfrm>
+          <a:prstGeom prst="line">
+            <a:avLst/>
+          </a:prstGeom>
+          <a:ln w="28575">
+            <a:solidFill>
+              <a:srgbClr val="FF3300"/>
+            </a:solidFill>
+            <a:prstDash val="solid"/>
+          </a:ln>
+        </p:spPr>
+        <p:style>
+          <a:lnRef idx="1">
+            <a:schemeClr val="accent1"/>
+          </a:lnRef>
+          <a:fillRef idx="0">
+            <a:schemeClr val="accent1"/>
+          </a:fillRef>
+          <a:effectRef idx="0">
+            <a:schemeClr val="accent1"/>
+          </a:effectRef>
+          <a:fontRef idx="minor">
+            <a:schemeClr val="tx1"/>
+          </a:fontRef>
+        </p:style>
+      </p:cxnSp>
+      <p:sp>
+        <p:nvSpPr>
+          <p:cNvPr id="16" name="TextBox 15"/>
+          <p:cNvSpPr txBox="1"/>
+          <p:nvPr/>
+        </p:nvSpPr>
+        <p:spPr>
+          <a:xfrm>
+            <a:off x="1364859" y="4612502"/>
+            <a:ext cx="680186" cy="369332"/>
+          </a:xfrm>
+          <a:prstGeom prst="rect">
+            <a:avLst/>
+          </a:prstGeom>
+          <a:noFill/>
+        </p:spPr>
+        <p:txBody>
+          <a:bodyPr wrap="none" rtlCol="0">
+            <a:spAutoFit/>
+          </a:bodyPr>
+          <a:lstStyle/>
+          <a:p>
+            <a:r>
+              <a:rPr lang="en-US" altLang="ko-KR" dirty="0"/>
+              <a:t>10px</a:t>
+            </a:r>
+            <a:endParaRPr lang="ko-KR" altLang="en-US" dirty="0"/>
+          </a:p>
+        </p:txBody>
+      </p:sp>
+      <p:sp>
+        <p:nvSpPr>
+          <p:cNvPr id="17" name="TextBox 16"/>
+          <p:cNvSpPr txBox="1"/>
+          <p:nvPr/>
+        </p:nvSpPr>
+        <p:spPr>
+          <a:xfrm>
+            <a:off x="2959161" y="4868563"/>
+            <a:ext cx="806824" cy="369332"/>
+          </a:xfrm>
+          <a:prstGeom prst="rect">
+            <a:avLst/>
+          </a:prstGeom>
+          <a:noFill/>
+        </p:spPr>
+        <p:txBody>
+          <a:bodyPr wrap="none" rtlCol="0">
+            <a:spAutoFit/>
+          </a:bodyPr>
+          <a:lstStyle/>
+          <a:p>
+            <a:r>
+              <a:rPr lang="en-US" altLang="ko-KR" dirty="0"/>
+              <a:t>150px</a:t>
+            </a:r>
+            <a:endParaRPr lang="ko-KR" altLang="en-US" dirty="0"/>
+          </a:p>
+        </p:txBody>
+      </p:sp>
+      <p:cxnSp>
+        <p:nvCxnSpPr>
+          <p:cNvPr id="19" name="직선 연결선 18"/>
+          <p:cNvCxnSpPr/>
+          <p:nvPr/>
+        </p:nvCxnSpPr>
+        <p:spPr>
+          <a:xfrm>
+            <a:off x="4572001" y="1507524"/>
+            <a:ext cx="0" cy="3311611"/>
+          </a:xfrm>
+          <a:prstGeom prst="line">
+            <a:avLst/>
+          </a:prstGeom>
+          <a:ln w="28575">
+            <a:solidFill>
+              <a:srgbClr val="FF3300"/>
+            </a:solidFill>
+          </a:ln>
+        </p:spPr>
+        <p:style>
+          <a:lnRef idx="1">
+            <a:schemeClr val="accent1"/>
+          </a:lnRef>
+          <a:fillRef idx="0">
+            <a:schemeClr val="accent1"/>
+          </a:fillRef>
+          <a:effectRef idx="0">
+            <a:schemeClr val="accent1"/>
+          </a:effectRef>
+          <a:fontRef idx="minor">
+            <a:schemeClr val="tx1"/>
+          </a:fontRef>
+        </p:style>
+      </p:cxnSp>
+      <p:cxnSp>
+        <p:nvCxnSpPr>
+          <p:cNvPr id="22" name="직선 연결선 21"/>
+          <p:cNvCxnSpPr/>
+          <p:nvPr/>
+        </p:nvCxnSpPr>
+        <p:spPr>
+          <a:xfrm>
+            <a:off x="4555807" y="1046205"/>
+            <a:ext cx="12356" cy="486032"/>
+          </a:xfrm>
+          <a:prstGeom prst="line">
+            <a:avLst/>
+          </a:prstGeom>
+          <a:ln w="19050">
+            <a:solidFill>
+              <a:srgbClr val="00B050"/>
+            </a:solidFill>
+          </a:ln>
+        </p:spPr>
+        <p:style>
+          <a:lnRef idx="1">
+            <a:schemeClr val="accent1"/>
+          </a:lnRef>
+          <a:fillRef idx="0">
+            <a:schemeClr val="accent1"/>
+          </a:fillRef>
+          <a:effectRef idx="0">
+            <a:schemeClr val="accent1"/>
+          </a:effectRef>
+          <a:fontRef idx="minor">
+            <a:schemeClr val="tx1"/>
+          </a:fontRef>
+        </p:style>
+      </p:cxnSp>
+      <p:sp>
+        <p:nvSpPr>
+          <p:cNvPr id="23" name="TextBox 22"/>
+          <p:cNvSpPr txBox="1"/>
+          <p:nvPr/>
+        </p:nvSpPr>
+        <p:spPr>
+          <a:xfrm>
+            <a:off x="7743568" y="1096317"/>
+            <a:ext cx="680186" cy="369332"/>
+          </a:xfrm>
+          <a:prstGeom prst="rect">
+            <a:avLst/>
+          </a:prstGeom>
+          <a:noFill/>
+        </p:spPr>
+        <p:txBody>
+          <a:bodyPr wrap="none" rtlCol="0">
+            <a:spAutoFit/>
+          </a:bodyPr>
+          <a:lstStyle/>
+          <a:p>
+            <a:r>
+              <a:rPr lang="en-US" altLang="ko-KR" dirty="0"/>
+              <a:t>10px</a:t>
+            </a:r>
+            <a:endParaRPr lang="ko-KR" altLang="en-US" dirty="0"/>
+          </a:p>
+        </p:txBody>
+      </p:sp>
+      <p:sp>
+        <p:nvSpPr>
+          <p:cNvPr id="24" name="직사각형 23"/>
+          <p:cNvSpPr/>
+          <p:nvPr/>
+        </p:nvSpPr>
+        <p:spPr>
+          <a:xfrm>
+            <a:off x="5214551" y="1524000"/>
+            <a:ext cx="2529017" cy="3295135"/>
+          </a:xfrm>
+          <a:prstGeom prst="rect">
+            <a:avLst/>
+          </a:prstGeom>
+        </p:spPr>
+        <p:style>
+          <a:lnRef idx="2">
+            <a:schemeClr val="accent1">
+              <a:shade val="50000"/>
+            </a:schemeClr>
+          </a:lnRef>
+          <a:fillRef idx="1">
+            <a:schemeClr val="accent1"/>
+          </a:fillRef>
+          <a:effectRef idx="0">
+            <a:schemeClr val="accent1"/>
+          </a:effectRef>
+          <a:fontRef idx="minor">
+            <a:schemeClr val="lt1"/>
+          </a:fontRef>
+        </p:style>
+        <p:txBody>
+          <a:bodyPr rtlCol="0" anchor="ctr"/>
+          <a:lstStyle/>
+          <a:p>
+            <a:pPr algn="ctr"/>
+            <a:endParaRPr lang="ko-KR" altLang="en-US">
+              <a:ln w="28575">
+                <a:solidFill>
+                  <a:srgbClr val="FF3300"/>
+                </a:solidFill>
+                <a:prstDash val="sysDot"/>
+              </a:ln>
+            </a:endParaRPr>
+          </a:p>
+        </p:txBody>
+      </p:sp>
+      <p:cxnSp>
+        <p:nvCxnSpPr>
+          <p:cNvPr id="25" name="직선 연결선 24"/>
+          <p:cNvCxnSpPr/>
+          <p:nvPr/>
+        </p:nvCxnSpPr>
+        <p:spPr>
+          <a:xfrm>
+            <a:off x="4586059" y="1532236"/>
+            <a:ext cx="589006" cy="8237"/>
+          </a:xfrm>
+          <a:prstGeom prst="line">
+            <a:avLst/>
+          </a:prstGeom>
+          <a:ln w="12700">
+            <a:solidFill>
+              <a:srgbClr val="FF0000"/>
+            </a:solidFill>
+          </a:ln>
+        </p:spPr>
+        <p:style>
+          <a:lnRef idx="1">
+            <a:schemeClr val="accent1"/>
+          </a:lnRef>
+          <a:fillRef idx="0">
+            <a:schemeClr val="accent1"/>
+          </a:fillRef>
+          <a:effectRef idx="0">
+            <a:schemeClr val="accent1"/>
+          </a:effectRef>
+          <a:fontRef idx="minor">
+            <a:schemeClr val="tx1"/>
+          </a:fontRef>
+        </p:style>
+      </p:cxnSp>
+      <p:sp>
+        <p:nvSpPr>
+          <p:cNvPr id="26" name="TextBox 25"/>
+          <p:cNvSpPr txBox="1"/>
+          <p:nvPr/>
+        </p:nvSpPr>
+        <p:spPr>
+          <a:xfrm>
+            <a:off x="4572001" y="1673648"/>
+            <a:ext cx="680186" cy="369332"/>
+          </a:xfrm>
+          <a:prstGeom prst="rect">
+            <a:avLst/>
+          </a:prstGeom>
+          <a:noFill/>
+        </p:spPr>
+        <p:txBody>
+          <a:bodyPr wrap="none" rtlCol="0">
+            <a:spAutoFit/>
+          </a:bodyPr>
+          <a:lstStyle/>
+          <a:p>
+            <a:r>
+              <a:rPr lang="en-US" altLang="ko-KR" dirty="0"/>
+              <a:t>60px</a:t>
+            </a:r>
+            <a:endParaRPr lang="ko-KR" altLang="en-US" dirty="0"/>
+          </a:p>
+        </p:txBody>
+      </p:sp>
+      <p:sp>
+        <p:nvSpPr>
+          <p:cNvPr id="27" name="타원 26"/>
+          <p:cNvSpPr/>
+          <p:nvPr/>
+        </p:nvSpPr>
+        <p:spPr>
+          <a:xfrm>
+            <a:off x="4456671" y="4727834"/>
+            <a:ext cx="230659" cy="206633"/>
+          </a:xfrm>
+          <a:prstGeom prst="ellipse">
+            <a:avLst/>
+          </a:prstGeom>
+        </p:spPr>
+        <p:style>
+          <a:lnRef idx="0">
+            <a:schemeClr val="accent2"/>
+          </a:lnRef>
+          <a:fillRef idx="3">
+            <a:schemeClr val="accent2"/>
+          </a:fillRef>
+          <a:effectRef idx="3">
+            <a:schemeClr val="accent2"/>
+          </a:effectRef>
+          <a:fontRef idx="minor">
+            <a:schemeClr val="lt1"/>
+          </a:fontRef>
+        </p:style>
+        <p:txBody>
+          <a:bodyPr rtlCol="0" anchor="ctr"/>
+          <a:lstStyle/>
+          <a:p>
+            <a:pPr algn="ctr"/>
+            <a:endParaRPr lang="ko-KR" altLang="en-US">
+              <a:solidFill>
+                <a:srgbClr val="FF0000"/>
+              </a:solidFill>
+            </a:endParaRPr>
+          </a:p>
+        </p:txBody>
+      </p:sp>
+      <p:sp>
+        <p:nvSpPr>
+          <p:cNvPr id="30" name="타원 29"/>
+          <p:cNvSpPr/>
+          <p:nvPr/>
+        </p:nvSpPr>
+        <p:spPr>
+          <a:xfrm>
+            <a:off x="1952650" y="1420683"/>
+            <a:ext cx="230659" cy="206633"/>
+          </a:xfrm>
+          <a:prstGeom prst="ellipse">
+            <a:avLst/>
+          </a:prstGeom>
+        </p:spPr>
+        <p:style>
+          <a:lnRef idx="0">
+            <a:schemeClr val="accent2"/>
+          </a:lnRef>
+          <a:fillRef idx="3">
+            <a:schemeClr val="accent2"/>
+          </a:fillRef>
+          <a:effectRef idx="3">
+            <a:schemeClr val="accent2"/>
+          </a:effectRef>
+          <a:fontRef idx="minor">
+            <a:schemeClr val="lt1"/>
+          </a:fontRef>
+        </p:style>
+        <p:txBody>
+          <a:bodyPr rtlCol="0" anchor="ctr"/>
+          <a:lstStyle/>
+          <a:p>
+            <a:pPr algn="ctr"/>
+            <a:endParaRPr lang="ko-KR" altLang="en-US">
+              <a:solidFill>
+                <a:srgbClr val="FF0000"/>
+              </a:solidFill>
+            </a:endParaRPr>
+          </a:p>
+        </p:txBody>
+      </p:sp>
+      <p:cxnSp>
+        <p:nvCxnSpPr>
+          <p:cNvPr id="33" name="직선 연결선 32"/>
+          <p:cNvCxnSpPr/>
+          <p:nvPr/>
+        </p:nvCxnSpPr>
+        <p:spPr>
+          <a:xfrm>
+            <a:off x="4634068" y="4800601"/>
+            <a:ext cx="589006" cy="8237"/>
+          </a:xfrm>
+          <a:prstGeom prst="line">
+            <a:avLst/>
+          </a:prstGeom>
+          <a:ln w="12700">
+            <a:solidFill>
+              <a:srgbClr val="FF0000"/>
+            </a:solidFill>
+          </a:ln>
+        </p:spPr>
+        <p:style>
+          <a:lnRef idx="1">
+            <a:schemeClr val="accent1"/>
+          </a:lnRef>
+          <a:fillRef idx="0">
+            <a:schemeClr val="accent1"/>
+          </a:fillRef>
+          <a:effectRef idx="0">
+            <a:schemeClr val="accent1"/>
+          </a:effectRef>
+          <a:fontRef idx="minor">
+            <a:schemeClr val="tx1"/>
+          </a:fontRef>
+        </p:style>
+      </p:cxnSp>
+      <p:cxnSp>
+        <p:nvCxnSpPr>
+          <p:cNvPr id="34" name="직선 연결선 33"/>
+          <p:cNvCxnSpPr/>
+          <p:nvPr/>
+        </p:nvCxnSpPr>
+        <p:spPr>
+          <a:xfrm>
+            <a:off x="5206597" y="4851517"/>
+            <a:ext cx="2535195" cy="0"/>
+          </a:xfrm>
+          <a:prstGeom prst="line">
+            <a:avLst/>
+          </a:prstGeom>
+          <a:ln w="28575">
+            <a:solidFill>
+              <a:srgbClr val="FF3300"/>
+            </a:solidFill>
+            <a:prstDash val="solid"/>
+          </a:ln>
+        </p:spPr>
+        <p:style>
+          <a:lnRef idx="1">
+            <a:schemeClr val="accent1"/>
+          </a:lnRef>
+          <a:fillRef idx="0">
+            <a:schemeClr val="accent1"/>
+          </a:fillRef>
+          <a:effectRef idx="0">
+            <a:schemeClr val="accent1"/>
+          </a:effectRef>
+          <a:fontRef idx="minor">
+            <a:schemeClr val="tx1"/>
+          </a:fontRef>
+        </p:style>
+      </p:cxnSp>
+      <p:sp>
+        <p:nvSpPr>
+          <p:cNvPr id="35" name="TextBox 34"/>
+          <p:cNvSpPr txBox="1"/>
+          <p:nvPr/>
+        </p:nvSpPr>
+        <p:spPr>
+          <a:xfrm>
+            <a:off x="4549347" y="4428525"/>
+            <a:ext cx="680186" cy="369332"/>
+          </a:xfrm>
+          <a:prstGeom prst="rect">
+            <a:avLst/>
+          </a:prstGeom>
+          <a:noFill/>
+        </p:spPr>
+        <p:txBody>
+          <a:bodyPr wrap="none" rtlCol="0">
+            <a:spAutoFit/>
+          </a:bodyPr>
+          <a:lstStyle/>
+          <a:p>
+            <a:r>
+              <a:rPr lang="en-US" altLang="ko-KR" dirty="0"/>
+              <a:t>60px</a:t>
+            </a:r>
+            <a:endParaRPr lang="ko-KR" altLang="en-US" dirty="0"/>
+          </a:p>
+        </p:txBody>
+      </p:sp>
+      <p:sp>
+        <p:nvSpPr>
+          <p:cNvPr id="36" name="TextBox 35"/>
+          <p:cNvSpPr txBox="1"/>
+          <p:nvPr/>
+        </p:nvSpPr>
+        <p:spPr>
+          <a:xfrm>
+            <a:off x="6137190" y="4835887"/>
+            <a:ext cx="806824" cy="369332"/>
+          </a:xfrm>
+          <a:prstGeom prst="rect">
+            <a:avLst/>
+          </a:prstGeom>
+          <a:noFill/>
+        </p:spPr>
+        <p:txBody>
+          <a:bodyPr wrap="none" rtlCol="0">
+            <a:spAutoFit/>
+          </a:bodyPr>
+          <a:lstStyle/>
+          <a:p>
+            <a:r>
+              <a:rPr lang="en-US" altLang="ko-KR" dirty="0"/>
+              <a:t>160px</a:t>
+            </a:r>
+            <a:endParaRPr lang="ko-KR" altLang="en-US" dirty="0"/>
+          </a:p>
+        </p:txBody>
+      </p:sp>
+      <p:sp>
+        <p:nvSpPr>
+          <p:cNvPr id="38" name="TextBox 37"/>
+          <p:cNvSpPr txBox="1"/>
+          <p:nvPr/>
+        </p:nvSpPr>
+        <p:spPr>
+          <a:xfrm>
+            <a:off x="2075112" y="1540473"/>
+            <a:ext cx="742511" cy="369332"/>
+          </a:xfrm>
+          <a:prstGeom prst="rect">
+            <a:avLst/>
+          </a:prstGeom>
+          <a:noFill/>
+        </p:spPr>
+        <p:txBody>
+          <a:bodyPr wrap="none" rtlCol="0">
+            <a:spAutoFit/>
+          </a:bodyPr>
+          <a:lstStyle/>
+          <a:p>
+            <a:r>
+              <a:rPr lang="en-US" altLang="ko-KR" dirty="0"/>
+              <a:t>10,10</a:t>
+            </a:r>
+            <a:endParaRPr lang="ko-KR" altLang="en-US" dirty="0"/>
+          </a:p>
+        </p:txBody>
+      </p:sp>
+      <p:sp>
+        <p:nvSpPr>
+          <p:cNvPr id="39" name="TextBox 38"/>
+          <p:cNvSpPr txBox="1"/>
+          <p:nvPr/>
+        </p:nvSpPr>
+        <p:spPr>
+          <a:xfrm>
+            <a:off x="4172961" y="4940648"/>
+            <a:ext cx="995785" cy="369332"/>
+          </a:xfrm>
+          <a:prstGeom prst="rect">
+            <a:avLst/>
+          </a:prstGeom>
+          <a:noFill/>
+        </p:spPr>
+        <p:txBody>
+          <a:bodyPr wrap="none" rtlCol="0">
+            <a:spAutoFit/>
+          </a:bodyPr>
+          <a:lstStyle/>
+          <a:p>
+            <a:r>
+              <a:rPr lang="en-US" altLang="ko-KR" dirty="0"/>
+              <a:t>160,200</a:t>
+            </a:r>
+            <a:endParaRPr lang="ko-KR" altLang="en-US" dirty="0"/>
+          </a:p>
+        </p:txBody>
+      </p:sp>
+      <p:sp>
+        <p:nvSpPr>
+          <p:cNvPr id="40" name="TextBox 39"/>
+          <p:cNvSpPr txBox="1"/>
+          <p:nvPr/>
+        </p:nvSpPr>
+        <p:spPr>
+          <a:xfrm>
+            <a:off x="7850659" y="4659183"/>
+            <a:ext cx="995785" cy="369332"/>
+          </a:xfrm>
+          <a:prstGeom prst="rect">
+            <a:avLst/>
+          </a:prstGeom>
+          <a:noFill/>
+        </p:spPr>
+        <p:txBody>
+          <a:bodyPr wrap="none" rtlCol="0">
+            <a:spAutoFit/>
+          </a:bodyPr>
+          <a:lstStyle/>
+          <a:p>
+            <a:r>
+              <a:rPr lang="en-US" altLang="ko-KR" dirty="0"/>
+              <a:t>380,200</a:t>
+            </a:r>
+            <a:endParaRPr lang="ko-KR" altLang="en-US" dirty="0"/>
+          </a:p>
+        </p:txBody>
+      </p:sp>
+      <p:sp>
+        <p:nvSpPr>
+          <p:cNvPr id="41" name="TextBox 40"/>
+          <p:cNvSpPr txBox="1"/>
+          <p:nvPr/>
+        </p:nvSpPr>
+        <p:spPr>
+          <a:xfrm>
+            <a:off x="5320428" y="1625943"/>
+            <a:ext cx="869149" cy="369332"/>
+          </a:xfrm>
+          <a:prstGeom prst="rect">
+            <a:avLst/>
+          </a:prstGeom>
+          <a:noFill/>
+        </p:spPr>
+        <p:txBody>
+          <a:bodyPr wrap="none" rtlCol="0">
+            <a:spAutoFit/>
+          </a:bodyPr>
+          <a:lstStyle/>
+          <a:p>
+            <a:r>
+              <a:rPr lang="en-US" altLang="ko-KR" dirty="0"/>
+              <a:t>220,10</a:t>
+            </a:r>
+            <a:endParaRPr lang="ko-KR" altLang="en-US" dirty="0"/>
+          </a:p>
+        </p:txBody>
+      </p:sp>
+      <p:sp>
+        <p:nvSpPr>
+          <p:cNvPr id="21" name="TextBox 20"/>
+          <p:cNvSpPr txBox="1"/>
+          <p:nvPr/>
+        </p:nvSpPr>
+        <p:spPr>
+          <a:xfrm>
+            <a:off x="4168589" y="2922368"/>
+            <a:ext cx="806824" cy="369332"/>
+          </a:xfrm>
+          <a:prstGeom prst="rect">
+            <a:avLst/>
+          </a:prstGeom>
+          <a:noFill/>
+        </p:spPr>
+        <p:txBody>
+          <a:bodyPr wrap="none" rtlCol="0">
+            <a:spAutoFit/>
+          </a:bodyPr>
+          <a:lstStyle/>
+          <a:p>
+            <a:r>
+              <a:rPr lang="en-US" altLang="ko-KR" dirty="0"/>
+              <a:t>190px</a:t>
+            </a:r>
+            <a:endParaRPr lang="ko-KR" altLang="en-US" dirty="0"/>
+          </a:p>
+        </p:txBody>
+      </p:sp>
+      <p:cxnSp>
+        <p:nvCxnSpPr>
+          <p:cNvPr id="42" name="직선 연결선 41"/>
+          <p:cNvCxnSpPr/>
+          <p:nvPr/>
+        </p:nvCxnSpPr>
+        <p:spPr>
+          <a:xfrm>
+            <a:off x="7743568" y="1071603"/>
+            <a:ext cx="12356" cy="486032"/>
+          </a:xfrm>
+          <a:prstGeom prst="line">
+            <a:avLst/>
+          </a:prstGeom>
+          <a:ln w="19050">
+            <a:solidFill>
+              <a:srgbClr val="00B050"/>
+            </a:solidFill>
+          </a:ln>
+        </p:spPr>
+        <p:style>
+          <a:lnRef idx="1">
+            <a:schemeClr val="accent1"/>
+          </a:lnRef>
+          <a:fillRef idx="0">
+            <a:schemeClr val="accent1"/>
+          </a:fillRef>
+          <a:effectRef idx="0">
+            <a:schemeClr val="accent1"/>
+          </a:effectRef>
+          <a:fontRef idx="minor">
+            <a:schemeClr val="tx1"/>
+          </a:fontRef>
+        </p:style>
+      </p:cxnSp>
+      <p:sp>
+        <p:nvSpPr>
+          <p:cNvPr id="43" name="TextBox 42"/>
+          <p:cNvSpPr txBox="1"/>
+          <p:nvPr/>
+        </p:nvSpPr>
+        <p:spPr>
+          <a:xfrm>
+            <a:off x="4588478" y="1096317"/>
+            <a:ext cx="680186" cy="369332"/>
+          </a:xfrm>
+          <a:prstGeom prst="rect">
+            <a:avLst/>
+          </a:prstGeom>
+          <a:noFill/>
+        </p:spPr>
+        <p:txBody>
+          <a:bodyPr wrap="none" rtlCol="0">
+            <a:spAutoFit/>
+          </a:bodyPr>
+          <a:lstStyle/>
+          <a:p>
+            <a:r>
+              <a:rPr lang="en-US" altLang="ko-KR" dirty="0"/>
+              <a:t>10px</a:t>
+            </a:r>
+            <a:endParaRPr lang="ko-KR" altLang="en-US" dirty="0"/>
+          </a:p>
+        </p:txBody>
+      </p:sp>
+      <p:cxnSp>
+        <p:nvCxnSpPr>
+          <p:cNvPr id="45" name="직선 연결선 44"/>
+          <p:cNvCxnSpPr/>
+          <p:nvPr/>
+        </p:nvCxnSpPr>
+        <p:spPr>
+          <a:xfrm>
+            <a:off x="7755924" y="1493108"/>
+            <a:ext cx="0" cy="3311611"/>
+          </a:xfrm>
+          <a:prstGeom prst="line">
+            <a:avLst/>
+          </a:prstGeom>
+          <a:ln w="28575">
+            <a:solidFill>
+              <a:srgbClr val="FF3300"/>
+            </a:solidFill>
+          </a:ln>
+        </p:spPr>
+        <p:style>
+          <a:lnRef idx="1">
+            <a:schemeClr val="accent1"/>
+          </a:lnRef>
+          <a:fillRef idx="0">
+            <a:schemeClr val="accent1"/>
+          </a:fillRef>
+          <a:effectRef idx="0">
+            <a:schemeClr val="accent1"/>
+          </a:effectRef>
+          <a:fontRef idx="minor">
+            <a:schemeClr val="tx1"/>
+          </a:fontRef>
+        </p:style>
+      </p:cxnSp>
+      <p:sp>
+        <p:nvSpPr>
+          <p:cNvPr id="46" name="TextBox 45"/>
+          <p:cNvSpPr txBox="1"/>
+          <p:nvPr/>
+        </p:nvSpPr>
+        <p:spPr>
+          <a:xfrm>
+            <a:off x="7352512" y="2907952"/>
+            <a:ext cx="806824" cy="369332"/>
+          </a:xfrm>
+          <a:prstGeom prst="rect">
+            <a:avLst/>
+          </a:prstGeom>
+          <a:noFill/>
+        </p:spPr>
+        <p:txBody>
+          <a:bodyPr wrap="none" rtlCol="0">
+            <a:spAutoFit/>
+          </a:bodyPr>
+          <a:lstStyle/>
+          <a:p>
+            <a:r>
+              <a:rPr lang="en-US" altLang="ko-KR" dirty="0"/>
+              <a:t>190px</a:t>
+            </a:r>
+            <a:endParaRPr lang="ko-KR" altLang="en-US" dirty="0"/>
+          </a:p>
+        </p:txBody>
+      </p:sp>
+      <p:sp>
+        <p:nvSpPr>
+          <p:cNvPr id="32" name="타원 31"/>
+          <p:cNvSpPr/>
+          <p:nvPr/>
+        </p:nvSpPr>
+        <p:spPr>
+          <a:xfrm>
+            <a:off x="7628238" y="4727834"/>
+            <a:ext cx="230659" cy="206633"/>
+          </a:xfrm>
+          <a:prstGeom prst="ellipse">
+            <a:avLst/>
+          </a:prstGeom>
+        </p:spPr>
+        <p:style>
+          <a:lnRef idx="0">
+            <a:schemeClr val="accent2"/>
+          </a:lnRef>
+          <a:fillRef idx="3">
+            <a:schemeClr val="accent2"/>
+          </a:fillRef>
+          <a:effectRef idx="3">
+            <a:schemeClr val="accent2"/>
+          </a:effectRef>
+          <a:fontRef idx="minor">
+            <a:schemeClr val="lt1"/>
+          </a:fontRef>
+        </p:style>
+        <p:txBody>
+          <a:bodyPr rtlCol="0" anchor="ctr"/>
+          <a:lstStyle/>
+          <a:p>
+            <a:pPr algn="ctr"/>
+            <a:endParaRPr lang="ko-KR" altLang="en-US">
+              <a:solidFill>
+                <a:srgbClr val="FF0000"/>
+              </a:solidFill>
+            </a:endParaRPr>
+          </a:p>
+        </p:txBody>
+      </p:sp>
+      <p:cxnSp>
+        <p:nvCxnSpPr>
+          <p:cNvPr id="37" name="직선 연결선 36"/>
+          <p:cNvCxnSpPr/>
+          <p:nvPr/>
+        </p:nvCxnSpPr>
+        <p:spPr>
+          <a:xfrm>
+            <a:off x="5241320" y="1046205"/>
+            <a:ext cx="12356" cy="486032"/>
+          </a:xfrm>
+          <a:prstGeom prst="line">
+            <a:avLst/>
+          </a:prstGeom>
+          <a:ln w="19050">
+            <a:solidFill>
+              <a:srgbClr val="00B050"/>
+            </a:solidFill>
+          </a:ln>
+        </p:spPr>
+        <p:style>
+          <a:lnRef idx="1">
+            <a:schemeClr val="accent1"/>
+          </a:lnRef>
+          <a:fillRef idx="0">
+            <a:schemeClr val="accent1"/>
+          </a:fillRef>
+          <a:effectRef idx="0">
+            <a:schemeClr val="accent1"/>
+          </a:effectRef>
+          <a:fontRef idx="minor">
+            <a:schemeClr val="tx1"/>
+          </a:fontRef>
+        </p:style>
+      </p:cxnSp>
+      <p:sp>
+        <p:nvSpPr>
+          <p:cNvPr id="44" name="TextBox 43"/>
+          <p:cNvSpPr txBox="1"/>
+          <p:nvPr/>
+        </p:nvSpPr>
+        <p:spPr>
+          <a:xfrm>
+            <a:off x="5273991" y="1096317"/>
+            <a:ext cx="680186" cy="369332"/>
+          </a:xfrm>
+          <a:prstGeom prst="rect">
+            <a:avLst/>
+          </a:prstGeom>
+          <a:noFill/>
+        </p:spPr>
+        <p:txBody>
+          <a:bodyPr wrap="none" rtlCol="0">
+            <a:spAutoFit/>
+          </a:bodyPr>
+          <a:lstStyle/>
+          <a:p>
+            <a:r>
+              <a:rPr lang="en-US" altLang="ko-KR" dirty="0"/>
+              <a:t>10px</a:t>
+            </a:r>
+            <a:endParaRPr lang="ko-KR" altLang="en-US" dirty="0"/>
+          </a:p>
+        </p:txBody>
+      </p:sp>
+      <p:sp>
+        <p:nvSpPr>
+          <p:cNvPr id="31" name="타원 30"/>
+          <p:cNvSpPr/>
+          <p:nvPr/>
+        </p:nvSpPr>
+        <p:spPr>
+          <a:xfrm>
+            <a:off x="5114204" y="1428920"/>
+            <a:ext cx="230659" cy="206633"/>
+          </a:xfrm>
+          <a:prstGeom prst="ellipse">
+            <a:avLst/>
+          </a:prstGeom>
+        </p:spPr>
+        <p:style>
+          <a:lnRef idx="0">
+            <a:schemeClr val="accent2"/>
+          </a:lnRef>
+          <a:fillRef idx="3">
+            <a:schemeClr val="accent2"/>
+          </a:fillRef>
+          <a:effectRef idx="3">
+            <a:schemeClr val="accent2"/>
+          </a:effectRef>
+          <a:fontRef idx="minor">
+            <a:schemeClr val="lt1"/>
+          </a:fontRef>
+        </p:style>
+        <p:txBody>
+          <a:bodyPr rtlCol="0" anchor="ctr"/>
+          <a:lstStyle/>
+          <a:p>
+            <a:pPr algn="ctr"/>
+            <a:endParaRPr lang="ko-KR" altLang="en-US">
+              <a:solidFill>
+                <a:srgbClr val="FF0000"/>
+              </a:solidFill>
+            </a:endParaRPr>
+          </a:p>
+        </p:txBody>
+      </p:sp>
+    </p:spTree>
+    <p:extLst>
+      <p:ext uri="{BB962C8B-B14F-4D97-AF65-F5344CB8AC3E}">
+        <p14:creationId xmlns:p14="http://schemas.microsoft.com/office/powerpoint/2010/main" val="3581628452"/>
+      </p:ext>
+    </p:extLst>
+  </p:cSld>
+  <p:clrMapOvr>
+    <a:masterClrMapping/>
+  </p:clrMapOvr>
+</p:sld>
+</file>
+
+<file path=ppt/slides/slide16.xml><?xml version="1.0" encoding="utf-8"?>
+<p:sld xmlns:a="http://schemas.openxmlformats.org/drawingml/2006/main" xmlns:r="http://schemas.openxmlformats.org/officeDocument/2006/relationships" xmlns:p="http://schemas.openxmlformats.org/presentationml/2006/main">
+  <p:cSld>
+    <p:spTree>
+      <p:nvGrpSpPr>
+        <p:cNvPr id="1" name=""/>
+        <p:cNvGrpSpPr/>
+        <p:nvPr/>
+      </p:nvGrpSpPr>
+      <p:grpSpPr>
+        <a:xfrm>
+          <a:off x="0" y="0"/>
+          <a:ext cx="0" cy="0"/>
+          <a:chOff x="0" y="0"/>
+          <a:chExt cx="0" cy="0"/>
+        </a:xfrm>
+      </p:grpSpPr>
+      <p:sp>
+        <p:nvSpPr>
           <p:cNvPr id="5" name="제목 4"/>
           <p:cNvSpPr>
             <a:spLocks noGrp="1"/>
@@ -6723,6 +8096,50 @@
           </a:prstGeom>
         </p:spPr>
       </p:pic>
+      <p:sp>
+        <p:nvSpPr>
+          <p:cNvPr id="12" name="TextBox 11">
+            <a:extLst>
+              <a:ext uri="{FF2B5EF4-FFF2-40B4-BE49-F238E27FC236}">
+                <a16:creationId xmlns:a16="http://schemas.microsoft.com/office/drawing/2014/main" id="{03432717-E300-4EF9-AE17-DD22F8090CE0}"/>
+              </a:ext>
+            </a:extLst>
+          </p:cNvPr>
+          <p:cNvSpPr txBox="1"/>
+          <p:nvPr/>
+        </p:nvSpPr>
+        <p:spPr>
+          <a:xfrm>
+            <a:off x="11375472" y="385893"/>
+            <a:ext cx="668773" cy="338554"/>
+          </a:xfrm>
+          <a:prstGeom prst="rect">
+            <a:avLst/>
+          </a:prstGeom>
+          <a:noFill/>
+        </p:spPr>
+        <p:txBody>
+          <a:bodyPr wrap="none" rtlCol="0">
+            <a:spAutoFit/>
+          </a:bodyPr>
+          <a:lstStyle/>
+          <a:p>
+            <a:r>
+              <a:rPr lang="en-US" altLang="ko-KR" sz="1600" b="1" dirty="0">
+                <a:solidFill>
+                  <a:schemeClr val="bg1"/>
+                </a:solidFill>
+              </a:rPr>
+              <a:t>p120</a:t>
+            </a:r>
+            <a:endParaRPr lang="ko-KR" altLang="en-US" sz="1600" b="1" dirty="0">
+              <a:solidFill>
+                <a:schemeClr val="bg1"/>
+              </a:solidFill>
+            </a:endParaRPr>
+          </a:p>
+        </p:txBody>
+      </p:sp>
     </p:spTree>
     <p:extLst>
       <p:ext uri="{BB962C8B-B14F-4D97-AF65-F5344CB8AC3E}">
@@ -6800,7 +8217,7 @@
           <a:lstStyle/>
           <a:p>
             <a:r>
-              <a:rPr lang="ko-KR" altLang="en-US" b="1"/>
+              <a:rPr lang="ko-KR" altLang="en-US" b="1" dirty="0"/>
               <a:t>웹 문서와 이미지</a:t>
             </a:r>
           </a:p>
@@ -6920,6 +8337,50 @@
           </a:prstGeom>
         </p:spPr>
       </p:pic>
+      <p:sp>
+        <p:nvSpPr>
+          <p:cNvPr id="7" name="TextBox 6">
+            <a:extLst>
+              <a:ext uri="{FF2B5EF4-FFF2-40B4-BE49-F238E27FC236}">
+                <a16:creationId xmlns:a16="http://schemas.microsoft.com/office/drawing/2014/main" id="{6E9A05F9-B894-4486-9BB8-1FD480488FA3}"/>
+              </a:ext>
+            </a:extLst>
+          </p:cNvPr>
+          <p:cNvSpPr txBox="1"/>
+          <p:nvPr/>
+        </p:nvSpPr>
+        <p:spPr>
+          <a:xfrm>
+            <a:off x="11375472" y="385893"/>
+            <a:ext cx="550151" cy="338554"/>
+          </a:xfrm>
+          <a:prstGeom prst="rect">
+            <a:avLst/>
+          </a:prstGeom>
+          <a:noFill/>
+        </p:spPr>
+        <p:txBody>
+          <a:bodyPr wrap="none" rtlCol="0">
+            <a:spAutoFit/>
+          </a:bodyPr>
+          <a:lstStyle/>
+          <a:p>
+            <a:r>
+              <a:rPr lang="en-US" altLang="ko-KR" sz="1600" b="1" dirty="0">
+                <a:solidFill>
+                  <a:schemeClr val="bg1"/>
+                </a:solidFill>
+              </a:rPr>
+              <a:t>p94</a:t>
+            </a:r>
+            <a:endParaRPr lang="ko-KR" altLang="en-US" sz="1600" b="1" dirty="0">
+              <a:solidFill>
+                <a:schemeClr val="bg1"/>
+              </a:solidFill>
+            </a:endParaRPr>
+          </a:p>
+        </p:txBody>
+      </p:sp>
     </p:spTree>
     <p:extLst>
       <p:ext uri="{BB962C8B-B14F-4D97-AF65-F5344CB8AC3E}">
@@ -7395,6 +8856,50 @@
           </a:prstGeom>
         </p:spPr>
       </p:pic>
+      <p:sp>
+        <p:nvSpPr>
+          <p:cNvPr id="11" name="TextBox 10">
+            <a:extLst>
+              <a:ext uri="{FF2B5EF4-FFF2-40B4-BE49-F238E27FC236}">
+                <a16:creationId xmlns:a16="http://schemas.microsoft.com/office/drawing/2014/main" id="{8635C51E-5513-447E-A67E-A951870701D3}"/>
+              </a:ext>
+            </a:extLst>
+          </p:cNvPr>
+          <p:cNvSpPr txBox="1"/>
+          <p:nvPr/>
+        </p:nvSpPr>
+        <p:spPr>
+          <a:xfrm>
+            <a:off x="11375472" y="385893"/>
+            <a:ext cx="550151" cy="338554"/>
+          </a:xfrm>
+          <a:prstGeom prst="rect">
+            <a:avLst/>
+          </a:prstGeom>
+          <a:noFill/>
+        </p:spPr>
+        <p:txBody>
+          <a:bodyPr wrap="none" rtlCol="0">
+            <a:spAutoFit/>
+          </a:bodyPr>
+          <a:lstStyle/>
+          <a:p>
+            <a:r>
+              <a:rPr lang="en-US" altLang="ko-KR" sz="1600" b="1" dirty="0">
+                <a:solidFill>
+                  <a:schemeClr val="bg1"/>
+                </a:solidFill>
+              </a:rPr>
+              <a:t>p95</a:t>
+            </a:r>
+            <a:endParaRPr lang="ko-KR" altLang="en-US" sz="1600" b="1" dirty="0">
+              <a:solidFill>
+                <a:schemeClr val="bg1"/>
+              </a:solidFill>
+            </a:endParaRPr>
+          </a:p>
+        </p:txBody>
+      </p:sp>
     </p:spTree>
     <p:extLst>
       <p:ext uri="{BB962C8B-B14F-4D97-AF65-F5344CB8AC3E}">
@@ -7427,44 +8932,6 @@
       </p:grpSpPr>
       <p:sp>
         <p:nvSpPr>
-          <p:cNvPr id="4" name="TextBox 3"/>
-          <p:cNvSpPr txBox="1"/>
-          <p:nvPr/>
-        </p:nvSpPr>
-        <p:spPr>
-          <a:xfrm>
-            <a:off x="649904" y="322686"/>
-            <a:ext cx="1012782" cy="400110"/>
-          </a:xfrm>
-          <a:prstGeom prst="rect">
-            <a:avLst/>
-          </a:prstGeom>
-          <a:noFill/>
-        </p:spPr>
-        <p:txBody>
-          <a:bodyPr wrap="square" rtlCol="0">
-            <a:spAutoFit/>
-          </a:bodyPr>
-          <a:lstStyle/>
-          <a:p>
-            <a:r>
-              <a:rPr lang="en-US" altLang="ko-KR" sz="2000" b="1">
-                <a:solidFill>
-                  <a:schemeClr val="bg1"/>
-                </a:solidFill>
-              </a:rPr>
-              <a:t>03-1</a:t>
-            </a:r>
-            <a:endParaRPr lang="ko-KR" altLang="en-US" sz="2000" b="1">
-              <a:solidFill>
-                <a:schemeClr val="bg1"/>
-              </a:solidFill>
-            </a:endParaRPr>
-          </a:p>
-        </p:txBody>
-      </p:sp>
-      <p:sp>
-        <p:nvSpPr>
           <p:cNvPr id="5" name="제목 4"/>
           <p:cNvSpPr>
             <a:spLocks noGrp="1"/>
@@ -7473,7 +8940,12 @@
             <p:ph type="title"/>
           </p:nvPr>
         </p:nvSpPr>
-        <p:spPr/>
+        <p:spPr>
+          <a:xfrm>
+            <a:off x="741629" y="203401"/>
+            <a:ext cx="9091189" cy="667587"/>
+          </a:xfrm>
+        </p:spPr>
         <p:txBody>
           <a:bodyPr>
             <a:normAutofit/>
@@ -7481,7 +8953,7 @@
           <a:lstStyle/>
           <a:p>
             <a:r>
-              <a:rPr lang="ko-KR" altLang="en-US" sz="3200"/>
+              <a:rPr lang="ko-KR" altLang="en-US" sz="3200" dirty="0"/>
               <a:t>이미지</a:t>
             </a:r>
           </a:p>
@@ -7674,6 +9146,50 @@
           </a:prstGeom>
         </p:spPr>
       </p:pic>
+      <p:sp>
+        <p:nvSpPr>
+          <p:cNvPr id="8" name="TextBox 7">
+            <a:extLst>
+              <a:ext uri="{FF2B5EF4-FFF2-40B4-BE49-F238E27FC236}">
+                <a16:creationId xmlns:a16="http://schemas.microsoft.com/office/drawing/2014/main" id="{176C7C2E-20B2-429A-8BDE-D68944FA03EE}"/>
+              </a:ext>
+            </a:extLst>
+          </p:cNvPr>
+          <p:cNvSpPr txBox="1"/>
+          <p:nvPr/>
+        </p:nvSpPr>
+        <p:spPr>
+          <a:xfrm>
+            <a:off x="11375472" y="385893"/>
+            <a:ext cx="668773" cy="338554"/>
+          </a:xfrm>
+          <a:prstGeom prst="rect">
+            <a:avLst/>
+          </a:prstGeom>
+          <a:noFill/>
+        </p:spPr>
+        <p:txBody>
+          <a:bodyPr wrap="none" rtlCol="0">
+            <a:spAutoFit/>
+          </a:bodyPr>
+          <a:lstStyle/>
+          <a:p>
+            <a:r>
+              <a:rPr lang="en-US" altLang="ko-KR" sz="1600" b="1" dirty="0">
+                <a:solidFill>
+                  <a:schemeClr val="bg1"/>
+                </a:solidFill>
+              </a:rPr>
+              <a:t>p100</a:t>
+            </a:r>
+            <a:endParaRPr lang="ko-KR" altLang="en-US" sz="1600" b="1" dirty="0">
+              <a:solidFill>
+                <a:schemeClr val="bg1"/>
+              </a:solidFill>
+            </a:endParaRPr>
+          </a:p>
+        </p:txBody>
+      </p:sp>
     </p:spTree>
     <p:extLst>
       <p:ext uri="{BB962C8B-B14F-4D97-AF65-F5344CB8AC3E}">
@@ -7706,44 +9222,6 @@
       </p:grpSpPr>
       <p:sp>
         <p:nvSpPr>
-          <p:cNvPr id="4" name="TextBox 3"/>
-          <p:cNvSpPr txBox="1"/>
-          <p:nvPr/>
-        </p:nvSpPr>
-        <p:spPr>
-          <a:xfrm>
-            <a:off x="649904" y="322686"/>
-            <a:ext cx="1012782" cy="400110"/>
-          </a:xfrm>
-          <a:prstGeom prst="rect">
-            <a:avLst/>
-          </a:prstGeom>
-          <a:noFill/>
-        </p:spPr>
-        <p:txBody>
-          <a:bodyPr wrap="square" rtlCol="0">
-            <a:spAutoFit/>
-          </a:bodyPr>
-          <a:lstStyle/>
-          <a:p>
-            <a:r>
-              <a:rPr lang="en-US" altLang="ko-KR" sz="2000" b="1">
-                <a:solidFill>
-                  <a:schemeClr val="bg1"/>
-                </a:solidFill>
-              </a:rPr>
-              <a:t>03-1</a:t>
-            </a:r>
-            <a:endParaRPr lang="ko-KR" altLang="en-US" sz="2000" b="1">
-              <a:solidFill>
-                <a:schemeClr val="bg1"/>
-              </a:solidFill>
-            </a:endParaRPr>
-          </a:p>
-        </p:txBody>
-      </p:sp>
-      <p:sp>
-        <p:nvSpPr>
           <p:cNvPr id="5" name="제목 4"/>
           <p:cNvSpPr>
             <a:spLocks noGrp="1"/>
@@ -7752,7 +9230,12 @@
             <p:ph type="title"/>
           </p:nvPr>
         </p:nvSpPr>
-        <p:spPr/>
+        <p:spPr>
+          <a:xfrm>
+            <a:off x="471722" y="220335"/>
+            <a:ext cx="9091189" cy="667587"/>
+          </a:xfrm>
+        </p:spPr>
         <p:txBody>
           <a:bodyPr>
             <a:normAutofit/>
@@ -7760,7 +9243,7 @@
           <a:lstStyle/>
           <a:p>
             <a:r>
-              <a:rPr lang="ko-KR" altLang="en-US" sz="3200"/>
+              <a:rPr lang="ko-KR" altLang="en-US" sz="3200" dirty="0"/>
               <a:t>이미지</a:t>
             </a:r>
           </a:p>
@@ -7950,6 +9433,50 @@
           </a:prstGeom>
         </p:spPr>
       </p:pic>
+      <p:sp>
+        <p:nvSpPr>
+          <p:cNvPr id="9" name="TextBox 8">
+            <a:extLst>
+              <a:ext uri="{FF2B5EF4-FFF2-40B4-BE49-F238E27FC236}">
+                <a16:creationId xmlns:a16="http://schemas.microsoft.com/office/drawing/2014/main" id="{019207A7-D43F-42EB-BEBA-3598A5C14734}"/>
+              </a:ext>
+            </a:extLst>
+          </p:cNvPr>
+          <p:cNvSpPr txBox="1"/>
+          <p:nvPr/>
+        </p:nvSpPr>
+        <p:spPr>
+          <a:xfrm>
+            <a:off x="11375472" y="385893"/>
+            <a:ext cx="668773" cy="338554"/>
+          </a:xfrm>
+          <a:prstGeom prst="rect">
+            <a:avLst/>
+          </a:prstGeom>
+          <a:noFill/>
+        </p:spPr>
+        <p:txBody>
+          <a:bodyPr wrap="none" rtlCol="0">
+            <a:spAutoFit/>
+          </a:bodyPr>
+          <a:lstStyle/>
+          <a:p>
+            <a:r>
+              <a:rPr lang="en-US" altLang="ko-KR" sz="1600" b="1" dirty="0">
+                <a:solidFill>
+                  <a:schemeClr val="bg1"/>
+                </a:solidFill>
+              </a:rPr>
+              <a:t>p101</a:t>
+            </a:r>
+            <a:endParaRPr lang="ko-KR" altLang="en-US" sz="1600" b="1" dirty="0">
+              <a:solidFill>
+                <a:schemeClr val="bg1"/>
+              </a:solidFill>
+            </a:endParaRPr>
+          </a:p>
+        </p:txBody>
+      </p:sp>
     </p:spTree>
     <p:extLst>
       <p:ext uri="{BB962C8B-B14F-4D97-AF65-F5344CB8AC3E}">
@@ -8337,6 +9864,50 @@
           </a:prstGeom>
         </p:spPr>
       </p:pic>
+      <p:sp>
+        <p:nvSpPr>
+          <p:cNvPr id="12" name="TextBox 11">
+            <a:extLst>
+              <a:ext uri="{FF2B5EF4-FFF2-40B4-BE49-F238E27FC236}">
+                <a16:creationId xmlns:a16="http://schemas.microsoft.com/office/drawing/2014/main" id="{069508CE-FA4C-423D-B90E-F2B2FB67153F}"/>
+              </a:ext>
+            </a:extLst>
+          </p:cNvPr>
+          <p:cNvSpPr txBox="1"/>
+          <p:nvPr/>
+        </p:nvSpPr>
+        <p:spPr>
+          <a:xfrm>
+            <a:off x="11375472" y="385893"/>
+            <a:ext cx="668773" cy="338554"/>
+          </a:xfrm>
+          <a:prstGeom prst="rect">
+            <a:avLst/>
+          </a:prstGeom>
+          <a:noFill/>
+        </p:spPr>
+        <p:txBody>
+          <a:bodyPr wrap="none" rtlCol="0">
+            <a:spAutoFit/>
+          </a:bodyPr>
+          <a:lstStyle/>
+          <a:p>
+            <a:r>
+              <a:rPr lang="en-US" altLang="ko-KR" sz="1600" b="1" dirty="0">
+                <a:solidFill>
+                  <a:schemeClr val="bg1"/>
+                </a:solidFill>
+              </a:rPr>
+              <a:t>p103</a:t>
+            </a:r>
+            <a:endParaRPr lang="ko-KR" altLang="en-US" sz="1600" b="1" dirty="0">
+              <a:solidFill>
+                <a:schemeClr val="bg1"/>
+              </a:solidFill>
+            </a:endParaRPr>
+          </a:p>
+        </p:txBody>
+      </p:sp>
     </p:spTree>
     <p:extLst>
       <p:ext uri="{BB962C8B-B14F-4D97-AF65-F5344CB8AC3E}">
@@ -9072,6 +10643,50 @@
           </a:fontRef>
         </p:style>
       </p:cxnSp>
+      <p:sp>
+        <p:nvSpPr>
+          <p:cNvPr id="11" name="TextBox 10">
+            <a:extLst>
+              <a:ext uri="{FF2B5EF4-FFF2-40B4-BE49-F238E27FC236}">
+                <a16:creationId xmlns:a16="http://schemas.microsoft.com/office/drawing/2014/main" id="{56FACDE1-DEE2-4E88-8E5F-2E87843B417E}"/>
+              </a:ext>
+            </a:extLst>
+          </p:cNvPr>
+          <p:cNvSpPr txBox="1"/>
+          <p:nvPr/>
+        </p:nvSpPr>
+        <p:spPr>
+          <a:xfrm>
+            <a:off x="11375472" y="385893"/>
+            <a:ext cx="668773" cy="338554"/>
+          </a:xfrm>
+          <a:prstGeom prst="rect">
+            <a:avLst/>
+          </a:prstGeom>
+          <a:noFill/>
+        </p:spPr>
+        <p:txBody>
+          <a:bodyPr wrap="none" rtlCol="0">
+            <a:spAutoFit/>
+          </a:bodyPr>
+          <a:lstStyle/>
+          <a:p>
+            <a:r>
+              <a:rPr lang="en-US" altLang="ko-KR" sz="1600" b="1" dirty="0">
+                <a:solidFill>
+                  <a:schemeClr val="bg1"/>
+                </a:solidFill>
+              </a:rPr>
+              <a:t>p106</a:t>
+            </a:r>
+            <a:endParaRPr lang="ko-KR" altLang="en-US" sz="1600" b="1" dirty="0">
+              <a:solidFill>
+                <a:schemeClr val="bg1"/>
+              </a:solidFill>
+            </a:endParaRPr>
+          </a:p>
+        </p:txBody>
+      </p:sp>
     </p:spTree>
     <p:extLst>
       <p:ext uri="{BB962C8B-B14F-4D97-AF65-F5344CB8AC3E}">
@@ -9850,6 +11465,50 @@
           </a:prstGeom>
         </p:spPr>
       </p:pic>
+      <p:sp>
+        <p:nvSpPr>
+          <p:cNvPr id="12" name="TextBox 11">
+            <a:extLst>
+              <a:ext uri="{FF2B5EF4-FFF2-40B4-BE49-F238E27FC236}">
+                <a16:creationId xmlns:a16="http://schemas.microsoft.com/office/drawing/2014/main" id="{3DF7DEFB-1230-42BF-B736-A7B4C5666220}"/>
+              </a:ext>
+            </a:extLst>
+          </p:cNvPr>
+          <p:cNvSpPr txBox="1"/>
+          <p:nvPr/>
+        </p:nvSpPr>
+        <p:spPr>
+          <a:xfrm>
+            <a:off x="11375472" y="385893"/>
+            <a:ext cx="668773" cy="338554"/>
+          </a:xfrm>
+          <a:prstGeom prst="rect">
+            <a:avLst/>
+          </a:prstGeom>
+          <a:noFill/>
+        </p:spPr>
+        <p:txBody>
+          <a:bodyPr wrap="none" rtlCol="0">
+            <a:spAutoFit/>
+          </a:bodyPr>
+          <a:lstStyle/>
+          <a:p>
+            <a:r>
+              <a:rPr lang="en-US" altLang="ko-KR" sz="1600" b="1" dirty="0">
+                <a:solidFill>
+                  <a:schemeClr val="bg1"/>
+                </a:solidFill>
+              </a:rPr>
+              <a:t>p107</a:t>
+            </a:r>
+            <a:endParaRPr lang="ko-KR" altLang="en-US" sz="1600" b="1" dirty="0">
+              <a:solidFill>
+                <a:schemeClr val="bg1"/>
+              </a:solidFill>
+            </a:endParaRPr>
+          </a:p>
+        </p:txBody>
+      </p:sp>
     </p:spTree>
     <p:extLst>
       <p:ext uri="{BB962C8B-B14F-4D97-AF65-F5344CB8AC3E}">
